--- a/csc181/lecture1/Lecture 1.pptx
+++ b/csc181/lecture1/Lecture 1.pptx
@@ -114,6 +114,11 @@
       </a:defRPr>
     </a:lvl9pPr>
   </p:defaultTextStyle>
+  <p:extLst>
+    <p:ext uri="{EFAFB233-063F-42B5-8137-9DF3F51BA10A}">
+      <p15:sldGuideLst xmlns:p15="http://schemas.microsoft.com/office/powerpoint/2012/main"/>
+    </p:ext>
+  </p:extLst>
 </p:presentation>
 </file>
 
@@ -199,7 +204,7 @@
           <a:p>
             <a:fld id="{874ACC3E-F9D7-014D-A259-912126DD735E}" type="datetimeFigureOut">
               <a:rPr lang="en-US" smtClean="0"/>
-              <a:t>2/2/22</a:t>
+              <a:t>2/8/22</a:t>
             </a:fld>
             <a:endParaRPr lang="en-US"/>
           </a:p>
@@ -692,7 +697,7 @@
           <a:p>
             <a:fld id="{41590890-4E7F-4F41-A91C-42084EA636DA}" type="datetimeFigureOut">
               <a:rPr lang="en-US" smtClean="0"/>
-              <a:t>2/2/22</a:t>
+              <a:t>2/8/22</a:t>
             </a:fld>
             <a:endParaRPr lang="en-US"/>
           </a:p>
@@ -903,7 +908,7 @@
           <a:p>
             <a:fld id="{41590890-4E7F-4F41-A91C-42084EA636DA}" type="datetimeFigureOut">
               <a:rPr lang="en-US" smtClean="0"/>
-              <a:t>2/2/22</a:t>
+              <a:t>2/8/22</a:t>
             </a:fld>
             <a:endParaRPr lang="en-US"/>
           </a:p>
@@ -1118,7 +1123,7 @@
           <a:p>
             <a:fld id="{41590890-4E7F-4F41-A91C-42084EA636DA}" type="datetimeFigureOut">
               <a:rPr lang="en-US" smtClean="0"/>
-              <a:t>2/2/22</a:t>
+              <a:t>2/8/22</a:t>
             </a:fld>
             <a:endParaRPr lang="en-US"/>
           </a:p>
@@ -1319,7 +1324,7 @@
           <a:p>
             <a:fld id="{41590890-4E7F-4F41-A91C-42084EA636DA}" type="datetimeFigureOut">
               <a:rPr lang="en-US" smtClean="0"/>
-              <a:t>2/2/22</a:t>
+              <a:t>2/8/22</a:t>
             </a:fld>
             <a:endParaRPr lang="en-US"/>
           </a:p>
@@ -1598,7 +1603,7 @@
           <a:p>
             <a:fld id="{41590890-4E7F-4F41-A91C-42084EA636DA}" type="datetimeFigureOut">
               <a:rPr lang="en-US" smtClean="0"/>
-              <a:t>2/2/22</a:t>
+              <a:t>2/8/22</a:t>
             </a:fld>
             <a:endParaRPr lang="en-US"/>
           </a:p>
@@ -1866,7 +1871,7 @@
           <a:p>
             <a:fld id="{41590890-4E7F-4F41-A91C-42084EA636DA}" type="datetimeFigureOut">
               <a:rPr lang="en-US" smtClean="0"/>
-              <a:t>2/2/22</a:t>
+              <a:t>2/8/22</a:t>
             </a:fld>
             <a:endParaRPr lang="en-US"/>
           </a:p>
@@ -2282,7 +2287,7 @@
           <a:p>
             <a:fld id="{41590890-4E7F-4F41-A91C-42084EA636DA}" type="datetimeFigureOut">
               <a:rPr lang="en-US" smtClean="0"/>
-              <a:t>2/2/22</a:t>
+              <a:t>2/8/22</a:t>
             </a:fld>
             <a:endParaRPr lang="en-US"/>
           </a:p>
@@ -2431,7 +2436,7 @@
           <a:p>
             <a:fld id="{41590890-4E7F-4F41-A91C-42084EA636DA}" type="datetimeFigureOut">
               <a:rPr lang="en-US" smtClean="0"/>
-              <a:t>2/2/22</a:t>
+              <a:t>2/8/22</a:t>
             </a:fld>
             <a:endParaRPr lang="en-US"/>
           </a:p>
@@ -2557,7 +2562,7 @@
           <a:p>
             <a:fld id="{41590890-4E7F-4F41-A91C-42084EA636DA}" type="datetimeFigureOut">
               <a:rPr lang="en-US" smtClean="0"/>
-              <a:t>2/2/22</a:t>
+              <a:t>2/8/22</a:t>
             </a:fld>
             <a:endParaRPr lang="en-US"/>
           </a:p>
@@ -2808,7 +2813,7 @@
           <a:p>
             <a:fld id="{41590890-4E7F-4F41-A91C-42084EA636DA}" type="datetimeFigureOut">
               <a:rPr lang="en-US" smtClean="0"/>
-              <a:t>2/2/22</a:t>
+              <a:t>2/8/22</a:t>
             </a:fld>
             <a:endParaRPr lang="en-US"/>
           </a:p>
@@ -3253,7 +3258,7 @@
           <a:p>
             <a:fld id="{41590890-4E7F-4F41-A91C-42084EA636DA}" type="datetimeFigureOut">
               <a:rPr lang="en-US" smtClean="0"/>
-              <a:t>2/2/22</a:t>
+              <a:t>2/8/22</a:t>
             </a:fld>
             <a:endParaRPr lang="en-US"/>
           </a:p>
@@ -3580,7 +3585,7 @@
           <a:p>
             <a:fld id="{41590890-4E7F-4F41-A91C-42084EA636DA}" type="datetimeFigureOut">
               <a:rPr lang="en-US" smtClean="0"/>
-              <a:t>2/2/22</a:t>
+              <a:t>2/8/22</a:t>
             </a:fld>
             <a:endParaRPr lang="en-US"/>
           </a:p>
@@ -4891,7 +4896,7 @@
           </a:ln>
           <a:extLst>
             <a:ext uri="{C572A759-6A51-4108-AA02-DFA0A04FC94B}">
-              <ma14:wrappingTextBoxFlag xmlns:ma14="http://schemas.microsoft.com/office/mac/drawingml/2011/main" xmlns="" val="1"/>
+              <ma14:wrappingTextBoxFlag xmlns="" xmlns:ma14="http://schemas.microsoft.com/office/mac/drawingml/2011/main" val="1"/>
             </a:ext>
           </a:extLst>
         </p:spPr>
@@ -5574,7 +5579,7 @@
           </a:ln>
           <a:extLst>
             <a:ext uri="{C572A759-6A51-4108-AA02-DFA0A04FC94B}">
-              <ma14:wrappingTextBoxFlag xmlns:ma14="http://schemas.microsoft.com/office/mac/drawingml/2011/main" xmlns="" val="1"/>
+              <ma14:wrappingTextBoxFlag xmlns="" xmlns:ma14="http://schemas.microsoft.com/office/mac/drawingml/2011/main" val="1"/>
             </a:ext>
           </a:extLst>
         </p:spPr>
@@ -5751,7 +5756,7 @@
           </a:ln>
           <a:extLst>
             <a:ext uri="{C572A759-6A51-4108-AA02-DFA0A04FC94B}">
-              <ma14:wrappingTextBoxFlag xmlns:ma14="http://schemas.microsoft.com/office/mac/drawingml/2011/main" xmlns="" val="1"/>
+              <ma14:wrappingTextBoxFlag xmlns="" xmlns:ma14="http://schemas.microsoft.com/office/mac/drawingml/2011/main" val="1"/>
             </a:ext>
           </a:extLst>
         </p:spPr>
@@ -5915,7 +5920,7 @@
           </a:ln>
           <a:extLst>
             <a:ext uri="{C572A759-6A51-4108-AA02-DFA0A04FC94B}">
-              <ma14:wrappingTextBoxFlag xmlns:ma14="http://schemas.microsoft.com/office/mac/drawingml/2011/main" xmlns="" val="1"/>
+              <ma14:wrappingTextBoxFlag xmlns="" xmlns:ma14="http://schemas.microsoft.com/office/mac/drawingml/2011/main" val="1"/>
             </a:ext>
           </a:extLst>
         </p:spPr>
